--- a/Testing_Project_Full/Student Grade Evaluation System .pptx
+++ b/Testing_Project_Full/Student Grade Evaluation System .pptx
@@ -113,6 +113,11 @@
       </a:defRPr>
     </a:lvl9pPr>
   </p:defaultTextStyle>
+  <p:extLst>
+    <p:ext uri="{EFAFB233-063F-42B5-8137-9DF3F51BA10A}">
+      <p15:sldGuideLst xmlns:p15="http://schemas.microsoft.com/office/powerpoint/2012/main"/>
+    </p:ext>
+  </p:extLst>
 </p:presentation>
 </file>
 
@@ -19474,7 +19479,7 @@
             </a:pPr>
             <a:r>
               <a:rPr lang="en-US" dirty="0"/>
-              <a:t>Kareem Al Salboukh (202001445)</a:t>
+              <a:t>Kareem Al Salboukh 202001445</a:t>
             </a:r>
           </a:p>
           <a:p>
@@ -19492,7 +19497,7 @@
             </a:r>
             <a:r>
               <a:rPr lang="en-US" dirty="0"/>
-              <a:t> (202000809)</a:t>
+              <a:t> 202000809</a:t>
             </a:r>
           </a:p>
           <a:p>
@@ -19502,7 +19507,7 @@
             </a:pPr>
             <a:r>
               <a:rPr lang="en-US" dirty="0"/>
-              <a:t>Khalid M Alotaibi (202001090)</a:t>
+              <a:t>Khalid M Alotaibi 202001090</a:t>
             </a:r>
           </a:p>
           <a:p>
@@ -19511,8 +19516,8 @@
               <a:buChar char="•"/>
             </a:pPr>
             <a:r>
-              <a:rPr lang="en-US" dirty="0"/>
-              <a:t>Saad Alqahtani (201900363)</a:t>
+              <a:rPr lang="en-US"/>
+              <a:t>Salem Sultan 201701848</a:t>
             </a:r>
           </a:p>
           <a:p>
@@ -19521,8 +19526,12 @@
               <a:buChar char="•"/>
             </a:pPr>
             <a:r>
+              <a:rPr lang="en-US"/>
+              <a:t>Supervisor</a:t>
+            </a:r>
+            <a:r>
               <a:rPr lang="en-US" dirty="0"/>
-              <a:t>Supervisor: Maen Mohammad Hammad</a:t>
+              <a:t>: Maen Mohammad Hammad</a:t>
             </a:r>
           </a:p>
           <a:p>
